--- a/Snowball Earth.pptx
+++ b/Snowball Earth.pptx
@@ -270,7 +270,7 @@
           <a:p>
             <a:fld id="{FA1D4EB8-6FE3-4E18-9F99-57B960983E68}" type="datetimeFigureOut">
               <a:rPr lang="en-DK" smtClean="0"/>
-              <a:t>10/21/2020</a:t>
+              <a:t>22/10/2020</a:t>
             </a:fld>
             <a:endParaRPr lang="en-DK"/>
           </a:p>
@@ -470,7 +470,7 @@
           <a:p>
             <a:fld id="{FA1D4EB8-6FE3-4E18-9F99-57B960983E68}" type="datetimeFigureOut">
               <a:rPr lang="en-DK" smtClean="0"/>
-              <a:t>10/21/2020</a:t>
+              <a:t>22/10/2020</a:t>
             </a:fld>
             <a:endParaRPr lang="en-DK"/>
           </a:p>
@@ -680,7 +680,7 @@
           <a:p>
             <a:fld id="{FA1D4EB8-6FE3-4E18-9F99-57B960983E68}" type="datetimeFigureOut">
               <a:rPr lang="en-DK" smtClean="0"/>
-              <a:t>10/21/2020</a:t>
+              <a:t>22/10/2020</a:t>
             </a:fld>
             <a:endParaRPr lang="en-DK"/>
           </a:p>
@@ -880,7 +880,7 @@
           <a:p>
             <a:fld id="{FA1D4EB8-6FE3-4E18-9F99-57B960983E68}" type="datetimeFigureOut">
               <a:rPr lang="en-DK" smtClean="0"/>
-              <a:t>10/21/2020</a:t>
+              <a:t>22/10/2020</a:t>
             </a:fld>
             <a:endParaRPr lang="en-DK"/>
           </a:p>
@@ -1156,7 +1156,7 @@
           <a:p>
             <a:fld id="{FA1D4EB8-6FE3-4E18-9F99-57B960983E68}" type="datetimeFigureOut">
               <a:rPr lang="en-DK" smtClean="0"/>
-              <a:t>10/21/2020</a:t>
+              <a:t>22/10/2020</a:t>
             </a:fld>
             <a:endParaRPr lang="en-DK"/>
           </a:p>
@@ -1424,7 +1424,7 @@
           <a:p>
             <a:fld id="{FA1D4EB8-6FE3-4E18-9F99-57B960983E68}" type="datetimeFigureOut">
               <a:rPr lang="en-DK" smtClean="0"/>
-              <a:t>10/21/2020</a:t>
+              <a:t>22/10/2020</a:t>
             </a:fld>
             <a:endParaRPr lang="en-DK"/>
           </a:p>
@@ -1839,7 +1839,7 @@
           <a:p>
             <a:fld id="{FA1D4EB8-6FE3-4E18-9F99-57B960983E68}" type="datetimeFigureOut">
               <a:rPr lang="en-DK" smtClean="0"/>
-              <a:t>10/21/2020</a:t>
+              <a:t>22/10/2020</a:t>
             </a:fld>
             <a:endParaRPr lang="en-DK"/>
           </a:p>
@@ -1981,7 +1981,7 @@
           <a:p>
             <a:fld id="{FA1D4EB8-6FE3-4E18-9F99-57B960983E68}" type="datetimeFigureOut">
               <a:rPr lang="en-DK" smtClean="0"/>
-              <a:t>10/21/2020</a:t>
+              <a:t>22/10/2020</a:t>
             </a:fld>
             <a:endParaRPr lang="en-DK"/>
           </a:p>
@@ -2094,7 +2094,7 @@
           <a:p>
             <a:fld id="{FA1D4EB8-6FE3-4E18-9F99-57B960983E68}" type="datetimeFigureOut">
               <a:rPr lang="en-DK" smtClean="0"/>
-              <a:t>10/21/2020</a:t>
+              <a:t>22/10/2020</a:t>
             </a:fld>
             <a:endParaRPr lang="en-DK"/>
           </a:p>
@@ -2407,7 +2407,7 @@
           <a:p>
             <a:fld id="{FA1D4EB8-6FE3-4E18-9F99-57B960983E68}" type="datetimeFigureOut">
               <a:rPr lang="en-DK" smtClean="0"/>
-              <a:t>10/21/2020</a:t>
+              <a:t>22/10/2020</a:t>
             </a:fld>
             <a:endParaRPr lang="en-DK"/>
           </a:p>
@@ -2696,7 +2696,7 @@
           <a:p>
             <a:fld id="{FA1D4EB8-6FE3-4E18-9F99-57B960983E68}" type="datetimeFigureOut">
               <a:rPr lang="en-DK" smtClean="0"/>
-              <a:t>10/21/2020</a:t>
+              <a:t>22/10/2020</a:t>
             </a:fld>
             <a:endParaRPr lang="en-DK"/>
           </a:p>
@@ -2939,7 +2939,7 @@
           <a:p>
             <a:fld id="{FA1D4EB8-6FE3-4E18-9F99-57B960983E68}" type="datetimeFigureOut">
               <a:rPr lang="en-DK" smtClean="0"/>
-              <a:t>10/21/2020</a:t>
+              <a:t>22/10/2020</a:t>
             </a:fld>
             <a:endParaRPr lang="en-DK"/>
           </a:p>
@@ -3534,7 +3534,7 @@
       </p:sp>
       <p:pic>
         <p:nvPicPr>
-          <p:cNvPr id="9" name="Content Placeholder 8" descr="Chart&#10;&#10;Description automatically generated">
+          <p:cNvPr id="9" name="Content Placeholder 8">
             <a:extLst>
               <a:ext uri="{FF2B5EF4-FFF2-40B4-BE49-F238E27FC236}">
                 <a16:creationId xmlns:a16="http://schemas.microsoft.com/office/drawing/2014/main" id="{ACC63030-4CE6-498C-996B-29042E3F4D07}"/>
@@ -3556,20 +3556,19 @@
               </a:ext>
             </a:extLst>
           </a:blip>
-          <a:stretch>
-            <a:fillRect/>
-          </a:stretch>
+          <a:srcRect/>
+          <a:stretch/>
         </p:blipFill>
         <p:spPr>
           <a:xfrm>
-            <a:off x="1264155" y="1825625"/>
-            <a:ext cx="4329689" cy="4351338"/>
+            <a:off x="641023" y="1275496"/>
+            <a:ext cx="5637229" cy="5448928"/>
           </a:xfrm>
         </p:spPr>
       </p:pic>
       <p:pic>
         <p:nvPicPr>
-          <p:cNvPr id="16" name="Content Placeholder 15" descr="Chart&#10;&#10;Description automatically generated">
+          <p:cNvPr id="16" name="Content Placeholder 15">
             <a:extLst>
               <a:ext uri="{FF2B5EF4-FFF2-40B4-BE49-F238E27FC236}">
                 <a16:creationId xmlns:a16="http://schemas.microsoft.com/office/drawing/2014/main" id="{49AACB38-12EE-495C-AAA2-AF0922FA593E}"/>
@@ -3591,14 +3590,13 @@
               </a:ext>
             </a:extLst>
           </a:blip>
-          <a:stretch>
-            <a:fillRect/>
-          </a:stretch>
+          <a:srcRect/>
+          <a:stretch/>
         </p:blipFill>
         <p:spPr>
           <a:xfrm>
-            <a:off x="6565355" y="1825625"/>
-            <a:ext cx="4395290" cy="4351338"/>
+            <a:off x="5995447" y="1326186"/>
+            <a:ext cx="5637228" cy="5448927"/>
           </a:xfrm>
         </p:spPr>
       </p:pic>
@@ -4045,7 +4043,16 @@
             <a:pPr lvl="1"/>
             <a:r>
               <a:rPr lang="en-US" dirty="0"/>
-              <a:t>Recalculating outgoing infrared radiation with parameterized function</a:t>
+              <a:t>Recalculating outgoing infrared radiation with parameterized function: </a:t>
+            </a:r>
+          </a:p>
+          <a:p>
+            <a:pPr marL="457200" lvl="1" indent="0">
+              <a:buNone/>
+            </a:pPr>
+            <a:r>
+              <a:rPr lang="en-US" dirty="0"/>
+              <a:t>	I = A + BT</a:t>
             </a:r>
           </a:p>
           <a:p>
@@ -4400,10 +4407,10 @@
       </p:sp>
       <p:pic>
         <p:nvPicPr>
-          <p:cNvPr id="17" name="Picture 16" descr="Chart&#10;&#10;Description automatically generated">
-            <a:extLst>
-              <a:ext uri="{FF2B5EF4-FFF2-40B4-BE49-F238E27FC236}">
-                <a16:creationId xmlns:a16="http://schemas.microsoft.com/office/drawing/2014/main" id="{8675A94F-4C32-4EAE-81E9-09E5F6D7D347}"/>
+          <p:cNvPr id="19" name="Picture 18">
+            <a:extLst>
+              <a:ext uri="{FF2B5EF4-FFF2-40B4-BE49-F238E27FC236}">
+                <a16:creationId xmlns:a16="http://schemas.microsoft.com/office/drawing/2014/main" id="{978FF15C-35C3-4A0B-808E-183C4FD9983D}"/>
               </a:ext>
             </a:extLst>
           </p:cNvPr>
@@ -4420,14 +4427,13 @@
               </a:ext>
             </a:extLst>
           </a:blip>
-          <a:stretch>
-            <a:fillRect/>
-          </a:stretch>
+          <a:srcRect/>
+          <a:stretch/>
         </p:blipFill>
         <p:spPr>
           <a:xfrm>
-            <a:off x="203722" y="1690688"/>
-            <a:ext cx="4124949" cy="4114637"/>
+            <a:off x="3804777" y="1769894"/>
+            <a:ext cx="4406935" cy="4259730"/>
           </a:xfrm>
           <a:prstGeom prst="rect">
             <a:avLst/>
@@ -4436,10 +4442,10 @@
       </p:pic>
       <p:pic>
         <p:nvPicPr>
-          <p:cNvPr id="19" name="Picture 18" descr="Chart&#10;&#10;Description automatically generated">
-            <a:extLst>
-              <a:ext uri="{FF2B5EF4-FFF2-40B4-BE49-F238E27FC236}">
-                <a16:creationId xmlns:a16="http://schemas.microsoft.com/office/drawing/2014/main" id="{978FF15C-35C3-4A0B-808E-183C4FD9983D}"/>
+          <p:cNvPr id="21" name="Picture 20">
+            <a:extLst>
+              <a:ext uri="{FF2B5EF4-FFF2-40B4-BE49-F238E27FC236}">
+                <a16:creationId xmlns:a16="http://schemas.microsoft.com/office/drawing/2014/main" id="{4DF7D6A7-E36F-422C-9AEB-5911BD2019B5}"/>
               </a:ext>
             </a:extLst>
           </p:cNvPr>
@@ -4448,7 +4454,7 @@
           </p:cNvPicPr>
           <p:nvPr/>
         </p:nvPicPr>
-        <p:blipFill>
+        <p:blipFill rotWithShape="1">
           <a:blip r:embed="rId3">
             <a:extLst>
               <a:ext uri="{28A0092B-C50C-407E-A947-70E740481C1C}">
@@ -4456,14 +4462,13 @@
               </a:ext>
             </a:extLst>
           </a:blip>
-          <a:stretch>
-            <a:fillRect/>
-          </a:stretch>
+          <a:srcRect l="3904"/>
+          <a:stretch/>
         </p:blipFill>
         <p:spPr>
           <a:xfrm>
-            <a:off x="4046332" y="1690688"/>
-            <a:ext cx="4124949" cy="4145574"/>
+            <a:off x="7918513" y="1769892"/>
+            <a:ext cx="4250267" cy="4275199"/>
           </a:xfrm>
           <a:prstGeom prst="rect">
             <a:avLst/>
@@ -4472,10 +4477,10 @@
       </p:pic>
       <p:pic>
         <p:nvPicPr>
-          <p:cNvPr id="21" name="Picture 20" descr="Chart&#10;&#10;Description automatically generated">
-            <a:extLst>
-              <a:ext uri="{FF2B5EF4-FFF2-40B4-BE49-F238E27FC236}">
-                <a16:creationId xmlns:a16="http://schemas.microsoft.com/office/drawing/2014/main" id="{4DF7D6A7-E36F-422C-9AEB-5911BD2019B5}"/>
+          <p:cNvPr id="17" name="Picture 16">
+            <a:extLst>
+              <a:ext uri="{FF2B5EF4-FFF2-40B4-BE49-F238E27FC236}">
+                <a16:creationId xmlns:a16="http://schemas.microsoft.com/office/drawing/2014/main" id="{8675A94F-4C32-4EAE-81E9-09E5F6D7D347}"/>
               </a:ext>
             </a:extLst>
           </p:cNvPr>
@@ -4484,7 +4489,7 @@
           </p:cNvPicPr>
           <p:nvPr/>
         </p:nvPicPr>
-        <p:blipFill>
+        <p:blipFill rotWithShape="1">
           <a:blip r:embed="rId4">
             <a:extLst>
               <a:ext uri="{28A0092B-C50C-407E-A947-70E740481C1C}">
@@ -4492,14 +4497,13 @@
               </a:ext>
             </a:extLst>
           </a:blip>
-          <a:stretch>
-            <a:fillRect/>
-          </a:stretch>
+          <a:srcRect r="7074"/>
+          <a:stretch/>
         </p:blipFill>
         <p:spPr>
           <a:xfrm>
-            <a:off x="7868393" y="1690688"/>
-            <a:ext cx="4124950" cy="4145575"/>
+            <a:off x="-94268" y="1754425"/>
+            <a:ext cx="4110087" cy="4275199"/>
           </a:xfrm>
           <a:prstGeom prst="rect">
             <a:avLst/>
@@ -4567,7 +4571,7 @@
       </p:sp>
       <p:pic>
         <p:nvPicPr>
-          <p:cNvPr id="8" name="Content Placeholder 7" descr="Chart&#10;&#10;Description automatically generated">
+          <p:cNvPr id="8" name="Content Placeholder 7">
             <a:extLst>
               <a:ext uri="{FF2B5EF4-FFF2-40B4-BE49-F238E27FC236}">
                 <a16:creationId xmlns:a16="http://schemas.microsoft.com/office/drawing/2014/main" id="{A9841526-ACD7-401E-A906-D7788B65C71C}"/>
@@ -4589,20 +4593,19 @@
               </a:ext>
             </a:extLst>
           </a:blip>
-          <a:stretch>
-            <a:fillRect/>
-          </a:stretch>
+          <a:srcRect/>
+          <a:stretch/>
         </p:blipFill>
         <p:spPr>
           <a:xfrm>
-            <a:off x="1264155" y="1825625"/>
-            <a:ext cx="4329689" cy="4351338"/>
+            <a:off x="838200" y="1497035"/>
+            <a:ext cx="5257799" cy="5082172"/>
           </a:xfrm>
         </p:spPr>
       </p:pic>
       <p:pic>
         <p:nvPicPr>
-          <p:cNvPr id="10" name="Content Placeholder 9" descr="A picture containing chart&#10;&#10;Description automatically generated">
+          <p:cNvPr id="10" name="Content Placeholder 9">
             <a:extLst>
               <a:ext uri="{FF2B5EF4-FFF2-40B4-BE49-F238E27FC236}">
                 <a16:creationId xmlns:a16="http://schemas.microsoft.com/office/drawing/2014/main" id="{1BF2202E-7284-4B64-AFF4-2465F91EDC10}"/>
@@ -4624,14 +4627,13 @@
               </a:ext>
             </a:extLst>
           </a:blip>
-          <a:stretch>
-            <a:fillRect/>
-          </a:stretch>
+          <a:srcRect/>
+          <a:stretch/>
         </p:blipFill>
         <p:spPr>
           <a:xfrm>
-            <a:off x="6581878" y="1825625"/>
-            <a:ext cx="4362243" cy="4351338"/>
+            <a:off x="6095999" y="1497035"/>
+            <a:ext cx="5257799" cy="5082173"/>
           </a:xfrm>
         </p:spPr>
       </p:pic>

--- a/Snowball Earth.pptx
+++ b/Snowball Earth.pptx
@@ -15,6 +15,7 @@
     <p:sldId id="262" r:id="rId9"/>
     <p:sldId id="260" r:id="rId10"/>
     <p:sldId id="261" r:id="rId11"/>
+    <p:sldId id="266" r:id="rId12"/>
   </p:sldIdLst>
   <p:sldSz cx="12192000" cy="6858000"/>
   <p:notesSz cx="6858000" cy="9144000"/>
@@ -270,7 +271,7 @@
           <a:p>
             <a:fld id="{FA1D4EB8-6FE3-4E18-9F99-57B960983E68}" type="datetimeFigureOut">
               <a:rPr lang="en-DK" smtClean="0"/>
-              <a:t>22/10/2020</a:t>
+              <a:t>10/22/2020</a:t>
             </a:fld>
             <a:endParaRPr lang="en-DK"/>
           </a:p>
@@ -470,7 +471,7 @@
           <a:p>
             <a:fld id="{FA1D4EB8-6FE3-4E18-9F99-57B960983E68}" type="datetimeFigureOut">
               <a:rPr lang="en-DK" smtClean="0"/>
-              <a:t>22/10/2020</a:t>
+              <a:t>10/22/2020</a:t>
             </a:fld>
             <a:endParaRPr lang="en-DK"/>
           </a:p>
@@ -680,7 +681,7 @@
           <a:p>
             <a:fld id="{FA1D4EB8-6FE3-4E18-9F99-57B960983E68}" type="datetimeFigureOut">
               <a:rPr lang="en-DK" smtClean="0"/>
-              <a:t>22/10/2020</a:t>
+              <a:t>10/22/2020</a:t>
             </a:fld>
             <a:endParaRPr lang="en-DK"/>
           </a:p>
@@ -880,7 +881,7 @@
           <a:p>
             <a:fld id="{FA1D4EB8-6FE3-4E18-9F99-57B960983E68}" type="datetimeFigureOut">
               <a:rPr lang="en-DK" smtClean="0"/>
-              <a:t>22/10/2020</a:t>
+              <a:t>10/22/2020</a:t>
             </a:fld>
             <a:endParaRPr lang="en-DK"/>
           </a:p>
@@ -1156,7 +1157,7 @@
           <a:p>
             <a:fld id="{FA1D4EB8-6FE3-4E18-9F99-57B960983E68}" type="datetimeFigureOut">
               <a:rPr lang="en-DK" smtClean="0"/>
-              <a:t>22/10/2020</a:t>
+              <a:t>10/22/2020</a:t>
             </a:fld>
             <a:endParaRPr lang="en-DK"/>
           </a:p>
@@ -1424,7 +1425,7 @@
           <a:p>
             <a:fld id="{FA1D4EB8-6FE3-4E18-9F99-57B960983E68}" type="datetimeFigureOut">
               <a:rPr lang="en-DK" smtClean="0"/>
-              <a:t>22/10/2020</a:t>
+              <a:t>10/22/2020</a:t>
             </a:fld>
             <a:endParaRPr lang="en-DK"/>
           </a:p>
@@ -1839,7 +1840,7 @@
           <a:p>
             <a:fld id="{FA1D4EB8-6FE3-4E18-9F99-57B960983E68}" type="datetimeFigureOut">
               <a:rPr lang="en-DK" smtClean="0"/>
-              <a:t>22/10/2020</a:t>
+              <a:t>10/22/2020</a:t>
             </a:fld>
             <a:endParaRPr lang="en-DK"/>
           </a:p>
@@ -1981,7 +1982,7 @@
           <a:p>
             <a:fld id="{FA1D4EB8-6FE3-4E18-9F99-57B960983E68}" type="datetimeFigureOut">
               <a:rPr lang="en-DK" smtClean="0"/>
-              <a:t>22/10/2020</a:t>
+              <a:t>10/22/2020</a:t>
             </a:fld>
             <a:endParaRPr lang="en-DK"/>
           </a:p>
@@ -2094,7 +2095,7 @@
           <a:p>
             <a:fld id="{FA1D4EB8-6FE3-4E18-9F99-57B960983E68}" type="datetimeFigureOut">
               <a:rPr lang="en-DK" smtClean="0"/>
-              <a:t>22/10/2020</a:t>
+              <a:t>10/22/2020</a:t>
             </a:fld>
             <a:endParaRPr lang="en-DK"/>
           </a:p>
@@ -2407,7 +2408,7 @@
           <a:p>
             <a:fld id="{FA1D4EB8-6FE3-4E18-9F99-57B960983E68}" type="datetimeFigureOut">
               <a:rPr lang="en-DK" smtClean="0"/>
-              <a:t>22/10/2020</a:t>
+              <a:t>10/22/2020</a:t>
             </a:fld>
             <a:endParaRPr lang="en-DK"/>
           </a:p>
@@ -2696,7 +2697,7 @@
           <a:p>
             <a:fld id="{FA1D4EB8-6FE3-4E18-9F99-57B960983E68}" type="datetimeFigureOut">
               <a:rPr lang="en-DK" smtClean="0"/>
-              <a:t>22/10/2020</a:t>
+              <a:t>10/22/2020</a:t>
             </a:fld>
             <a:endParaRPr lang="en-DK"/>
           </a:p>
@@ -2939,7 +2940,7 @@
           <a:p>
             <a:fld id="{FA1D4EB8-6FE3-4E18-9F99-57B960983E68}" type="datetimeFigureOut">
               <a:rPr lang="en-DK" smtClean="0"/>
-              <a:t>22/10/2020</a:t>
+              <a:t>10/22/2020</a:t>
             </a:fld>
             <a:endParaRPr lang="en-DK"/>
           </a:p>
@@ -3613,6 +3614,399 @@
 </p:sld>
 </file>
 
+<file path=ppt/slides/slide11.xml><?xml version="1.0" encoding="utf-8"?>
+<p:sld xmlns:a="http://schemas.openxmlformats.org/drawingml/2006/main" xmlns:r="http://schemas.openxmlformats.org/officeDocument/2006/relationships" xmlns:p="http://schemas.openxmlformats.org/presentationml/2006/main">
+  <p:cSld>
+    <p:spTree>
+      <p:nvGrpSpPr>
+        <p:cNvPr id="1" name=""/>
+        <p:cNvGrpSpPr/>
+        <p:nvPr/>
+      </p:nvGrpSpPr>
+      <p:grpSpPr>
+        <a:xfrm>
+          <a:off x="0" y="0"/>
+          <a:ext cx="0" cy="0"/>
+          <a:chOff x="0" y="0"/>
+          <a:chExt cx="0" cy="0"/>
+        </a:xfrm>
+      </p:grpSpPr>
+      <p:sp>
+        <p:nvSpPr>
+          <p:cNvPr id="2" name="Title 1">
+            <a:extLst>
+              <a:ext uri="{FF2B5EF4-FFF2-40B4-BE49-F238E27FC236}">
+                <a16:creationId xmlns:a16="http://schemas.microsoft.com/office/drawing/2014/main" id="{1AF90F77-14BA-419C-BEC2-9E378605954B}"/>
+              </a:ext>
+            </a:extLst>
+          </p:cNvPr>
+          <p:cNvSpPr>
+            <a:spLocks noGrp="1"/>
+          </p:cNvSpPr>
+          <p:nvPr>
+            <p:ph type="title"/>
+          </p:nvPr>
+        </p:nvSpPr>
+        <p:spPr/>
+        <p:txBody>
+          <a:bodyPr/>
+          <a:lstStyle/>
+          <a:p>
+            <a:r>
+              <a:rPr lang="nl-NL" dirty="0"/>
+              <a:t>Preliminary </a:t>
+            </a:r>
+            <a:r>
+              <a:rPr lang="nl-NL" dirty="0" err="1"/>
+              <a:t>Conclusions</a:t>
+            </a:r>
+            <a:endParaRPr lang="nl-NL" dirty="0"/>
+          </a:p>
+        </p:txBody>
+      </p:sp>
+      <p:sp>
+        <p:nvSpPr>
+          <p:cNvPr id="3" name="Content Placeholder 2">
+            <a:extLst>
+              <a:ext uri="{FF2B5EF4-FFF2-40B4-BE49-F238E27FC236}">
+                <a16:creationId xmlns:a16="http://schemas.microsoft.com/office/drawing/2014/main" id="{6283B199-3373-41B3-9B12-600496A599BC}"/>
+              </a:ext>
+            </a:extLst>
+          </p:cNvPr>
+          <p:cNvSpPr>
+            <a:spLocks noGrp="1"/>
+          </p:cNvSpPr>
+          <p:nvPr>
+            <p:ph sz="half" idx="1"/>
+          </p:nvPr>
+        </p:nvSpPr>
+        <p:spPr/>
+        <p:txBody>
+          <a:bodyPr/>
+          <a:lstStyle/>
+          <a:p>
+            <a:r>
+              <a:rPr lang="nl-NL" dirty="0" err="1"/>
+              <a:t>Snowball</a:t>
+            </a:r>
+            <a:r>
+              <a:rPr lang="nl-NL" dirty="0"/>
+              <a:t> Earth </a:t>
+            </a:r>
+            <a:r>
+              <a:rPr lang="nl-NL" dirty="0" err="1"/>
+              <a:t>melts</a:t>
+            </a:r>
+            <a:r>
+              <a:rPr lang="nl-NL" dirty="0"/>
+              <a:t> </a:t>
+            </a:r>
+            <a:r>
+              <a:rPr lang="nl-NL" dirty="0" err="1"/>
+              <a:t>due</a:t>
+            </a:r>
+            <a:r>
+              <a:rPr lang="nl-NL" dirty="0"/>
+              <a:t> </a:t>
+            </a:r>
+            <a:r>
+              <a:rPr lang="nl-NL" dirty="0" err="1"/>
+              <a:t>to</a:t>
+            </a:r>
+            <a:r>
+              <a:rPr lang="nl-NL" dirty="0"/>
+              <a:t> CO</a:t>
+            </a:r>
+            <a:r>
+              <a:rPr lang="nl-NL" sz="1800" dirty="0"/>
+              <a:t>2</a:t>
+            </a:r>
+            <a:r>
+              <a:rPr lang="nl-NL" dirty="0"/>
+              <a:t> </a:t>
+            </a:r>
+            <a:r>
+              <a:rPr lang="nl-NL" dirty="0" err="1"/>
+              <a:t>accumulation</a:t>
+            </a:r>
+            <a:r>
+              <a:rPr lang="nl-NL" dirty="0"/>
+              <a:t> at: </a:t>
+            </a:r>
+            <a:r>
+              <a:rPr lang="nl-NL" b="1" dirty="0"/>
+              <a:t>34 Gy</a:t>
+            </a:r>
+          </a:p>
+          <a:p>
+            <a:pPr lvl="1"/>
+            <a:r>
+              <a:rPr lang="nl-NL" b="1" dirty="0"/>
+              <a:t>116000 </a:t>
+            </a:r>
+            <a:r>
+              <a:rPr lang="nl-NL" b="1" dirty="0" err="1"/>
+              <a:t>ppmV</a:t>
+            </a:r>
+            <a:r>
+              <a:rPr lang="nl-NL" b="1" dirty="0"/>
+              <a:t> </a:t>
+            </a:r>
+            <a:r>
+              <a:rPr lang="nl-NL" dirty="0"/>
+              <a:t>CO</a:t>
+            </a:r>
+            <a:r>
+              <a:rPr lang="nl-NL" sz="1600" dirty="0"/>
+              <a:t>2</a:t>
+            </a:r>
+          </a:p>
+          <a:p>
+            <a:pPr lvl="1"/>
+            <a:endParaRPr lang="nl-NL" sz="1600" dirty="0"/>
+          </a:p>
+          <a:p>
+            <a:r>
+              <a:rPr lang="nl-NL" dirty="0" err="1"/>
+              <a:t>Including</a:t>
+            </a:r>
+            <a:r>
+              <a:rPr lang="nl-NL" dirty="0"/>
+              <a:t> albedo changes </a:t>
+            </a:r>
+            <a:r>
+              <a:rPr lang="nl-NL" dirty="0" err="1"/>
+              <a:t>due</a:t>
+            </a:r>
+            <a:r>
+              <a:rPr lang="nl-NL" dirty="0"/>
+              <a:t> </a:t>
+            </a:r>
+            <a:r>
+              <a:rPr lang="nl-NL" dirty="0" err="1"/>
+              <a:t>to</a:t>
+            </a:r>
+            <a:r>
+              <a:rPr lang="nl-NL" dirty="0"/>
+              <a:t> </a:t>
+            </a:r>
+            <a:r>
+              <a:rPr lang="nl-NL" dirty="0" err="1"/>
+              <a:t>dust</a:t>
+            </a:r>
+            <a:r>
+              <a:rPr lang="nl-NL" dirty="0"/>
+              <a:t>: </a:t>
+            </a:r>
+            <a:r>
+              <a:rPr lang="nl-NL" sz="2400" b="1" dirty="0"/>
+              <a:t>71 Gy</a:t>
+            </a:r>
+            <a:r>
+              <a:rPr lang="nl-NL" sz="2400" dirty="0"/>
+              <a:t>, </a:t>
+            </a:r>
+            <a:r>
+              <a:rPr lang="nl-NL" sz="2400" b="1" dirty="0"/>
+              <a:t>218000 </a:t>
+            </a:r>
+            <a:r>
+              <a:rPr lang="nl-NL" sz="2400" b="1" dirty="0" err="1"/>
+              <a:t>ppmV</a:t>
+            </a:r>
+            <a:endParaRPr lang="nl-NL" sz="2400" b="1" dirty="0"/>
+          </a:p>
+          <a:p>
+            <a:endParaRPr lang="nl-NL" sz="2400" b="1" dirty="0"/>
+          </a:p>
+          <a:p>
+            <a:r>
+              <a:rPr lang="nl-NL" dirty="0" err="1"/>
+              <a:t>Taking</a:t>
+            </a:r>
+            <a:r>
+              <a:rPr lang="nl-NL" dirty="0"/>
+              <a:t> </a:t>
+            </a:r>
+            <a:r>
+              <a:rPr lang="nl-NL" dirty="0" err="1"/>
+              <a:t>into</a:t>
+            </a:r>
+            <a:r>
+              <a:rPr lang="nl-NL" dirty="0"/>
+              <a:t> account </a:t>
+            </a:r>
+            <a:r>
+              <a:rPr lang="nl-NL" dirty="0" err="1"/>
+              <a:t>the</a:t>
+            </a:r>
+            <a:r>
+              <a:rPr lang="nl-NL" dirty="0"/>
+              <a:t> </a:t>
+            </a:r>
+            <a:r>
+              <a:rPr lang="nl-NL" dirty="0" err="1"/>
+              <a:t>reduced</a:t>
+            </a:r>
+            <a:r>
+              <a:rPr lang="nl-NL" dirty="0"/>
+              <a:t> </a:t>
+            </a:r>
+            <a:r>
+              <a:rPr lang="nl-NL" dirty="0" err="1"/>
+              <a:t>solar</a:t>
+            </a:r>
+            <a:r>
+              <a:rPr lang="nl-NL" dirty="0"/>
+              <a:t> </a:t>
+            </a:r>
+            <a:r>
+              <a:rPr lang="nl-NL" dirty="0" err="1"/>
+              <a:t>activity</a:t>
+            </a:r>
+            <a:r>
+              <a:rPr lang="nl-NL" dirty="0"/>
+              <a:t>: </a:t>
+            </a:r>
+            <a:r>
+              <a:rPr lang="nl-NL" sz="2400" b="1" dirty="0"/>
+              <a:t>69 Gy, 213000 </a:t>
+            </a:r>
+            <a:r>
+              <a:rPr lang="nl-NL" sz="2400" b="1" dirty="0" err="1"/>
+              <a:t>ppmV</a:t>
+            </a:r>
+            <a:endParaRPr lang="nl-NL" b="1" dirty="0"/>
+          </a:p>
+          <a:p>
+            <a:endParaRPr lang="nl-NL" dirty="0"/>
+          </a:p>
+        </p:txBody>
+      </p:sp>
+      <p:sp>
+        <p:nvSpPr>
+          <p:cNvPr id="4" name="Content Placeholder 3">
+            <a:extLst>
+              <a:ext uri="{FF2B5EF4-FFF2-40B4-BE49-F238E27FC236}">
+                <a16:creationId xmlns:a16="http://schemas.microsoft.com/office/drawing/2014/main" id="{EF3F07AE-7120-4277-AD8E-7586AFFAA91A}"/>
+              </a:ext>
+            </a:extLst>
+          </p:cNvPr>
+          <p:cNvSpPr>
+            <a:spLocks noGrp="1"/>
+          </p:cNvSpPr>
+          <p:nvPr>
+            <p:ph sz="half" idx="2"/>
+          </p:nvPr>
+        </p:nvSpPr>
+        <p:spPr>
+          <a:xfrm>
+            <a:off x="6631620" y="3428999"/>
+            <a:ext cx="4722180" cy="2747963"/>
+          </a:xfrm>
+        </p:spPr>
+        <p:txBody>
+          <a:bodyPr/>
+          <a:lstStyle/>
+          <a:p>
+            <a:r>
+              <a:rPr lang="nl-NL" dirty="0">
+                <a:sym typeface="Wingdings" panose="05000000000000000000" pitchFamily="2" charset="2"/>
+              </a:rPr>
+              <a:t> </a:t>
+            </a:r>
+            <a:r>
+              <a:rPr lang="nl-NL" dirty="0" err="1">
+                <a:sym typeface="Wingdings" panose="05000000000000000000" pitchFamily="2" charset="2"/>
+              </a:rPr>
+              <a:t>Not</a:t>
+            </a:r>
+            <a:r>
+              <a:rPr lang="nl-NL" dirty="0">
+                <a:sym typeface="Wingdings" panose="05000000000000000000" pitchFamily="2" charset="2"/>
+              </a:rPr>
+              <a:t> a </a:t>
+            </a:r>
+            <a:r>
+              <a:rPr lang="nl-NL" dirty="0" err="1">
+                <a:sym typeface="Wingdings" panose="05000000000000000000" pitchFamily="2" charset="2"/>
+              </a:rPr>
+              <a:t>logical</a:t>
+            </a:r>
+            <a:r>
+              <a:rPr lang="nl-NL" dirty="0">
+                <a:sym typeface="Wingdings" panose="05000000000000000000" pitchFamily="2" charset="2"/>
+              </a:rPr>
+              <a:t> </a:t>
+            </a:r>
+            <a:r>
+              <a:rPr lang="nl-NL" dirty="0" err="1">
+                <a:sym typeface="Wingdings" panose="05000000000000000000" pitchFamily="2" charset="2"/>
+              </a:rPr>
+              <a:t>outcome</a:t>
+            </a:r>
+            <a:endParaRPr lang="nl-NL" dirty="0"/>
+          </a:p>
+        </p:txBody>
+      </p:sp>
+      <p:pic>
+        <p:nvPicPr>
+          <p:cNvPr id="6" name="Picture 12" descr="Pencil drawing: blue snowflake on white background. This sketch based on  macro photo of real snow crystal:… | Snowflakes drawing, Snow flake tattoo,  Pencil drawings">
+            <a:extLst>
+              <a:ext uri="{FF2B5EF4-FFF2-40B4-BE49-F238E27FC236}">
+                <a16:creationId xmlns:a16="http://schemas.microsoft.com/office/drawing/2014/main" id="{AD8A727D-2C8B-4E4E-A964-5AB63603030F}"/>
+              </a:ext>
+            </a:extLst>
+          </p:cNvPr>
+          <p:cNvPicPr>
+            <a:picLocks noChangeAspect="1" noChangeArrowheads="1"/>
+          </p:cNvPicPr>
+          <p:nvPr/>
+        </p:nvPicPr>
+        <p:blipFill rotWithShape="1">
+          <a:blip r:embed="rId2">
+            <a:extLst>
+              <a:ext uri="{28A0092B-C50C-407E-A947-70E740481C1C}">
+                <a14:useLocalDpi xmlns:a14="http://schemas.microsoft.com/office/drawing/2010/main" val="0"/>
+              </a:ext>
+            </a:extLst>
+          </a:blip>
+          <a:srcRect b="7763"/>
+          <a:stretch/>
+        </p:blipFill>
+        <p:spPr bwMode="auto">
+          <a:xfrm>
+            <a:off x="9739544" y="144705"/>
+            <a:ext cx="1884414" cy="1738117"/>
+          </a:xfrm>
+          <a:prstGeom prst="rect">
+            <a:avLst/>
+          </a:prstGeom>
+          <a:noFill/>
+          <a:extLst>
+            <a:ext uri="{909E8E84-426E-40DD-AFC4-6F175D3DCCD1}">
+              <a14:hiddenFill xmlns:a14="http://schemas.microsoft.com/office/drawing/2010/main">
+                <a:solidFill>
+                  <a:srgbClr val="FFFFFF"/>
+                </a:solidFill>
+              </a14:hiddenFill>
+            </a:ext>
+          </a:extLst>
+        </p:spPr>
+      </p:pic>
+    </p:spTree>
+    <p:extLst>
+      <p:ext uri="{BB962C8B-B14F-4D97-AF65-F5344CB8AC3E}">
+        <p14:creationId xmlns:p14="http://schemas.microsoft.com/office/powerpoint/2010/main" val="3794885615"/>
+      </p:ext>
+    </p:extLst>
+  </p:cSld>
+  <p:clrMapOvr>
+    <a:masterClrMapping/>
+  </p:clrMapOvr>
+</p:sld>
+</file>
+
 <file path=ppt/slides/slide2.xml><?xml version="1.0" encoding="utf-8"?>
 <p:sld xmlns:a="http://schemas.openxmlformats.org/drawingml/2006/main" xmlns:r="http://schemas.openxmlformats.org/officeDocument/2006/relationships" xmlns:p="http://schemas.openxmlformats.org/presentationml/2006/main">
   <p:cSld>
@@ -3708,6 +4102,51 @@
           </a:p>
         </p:txBody>
       </p:sp>
+      <p:pic>
+        <p:nvPicPr>
+          <p:cNvPr id="5" name="Picture 12" descr="Pencil drawing: blue snowflake on white background. This sketch based on  macro photo of real snow crystal:… | Snowflakes drawing, Snow flake tattoo,  Pencil drawings">
+            <a:extLst>
+              <a:ext uri="{FF2B5EF4-FFF2-40B4-BE49-F238E27FC236}">
+                <a16:creationId xmlns:a16="http://schemas.microsoft.com/office/drawing/2014/main" id="{800CC0DE-17F9-4387-B5A9-CB00BE3AFE7F}"/>
+              </a:ext>
+            </a:extLst>
+          </p:cNvPr>
+          <p:cNvPicPr>
+            <a:picLocks noChangeAspect="1" noChangeArrowheads="1"/>
+          </p:cNvPicPr>
+          <p:nvPr/>
+        </p:nvPicPr>
+        <p:blipFill rotWithShape="1">
+          <a:blip r:embed="rId2">
+            <a:extLst>
+              <a:ext uri="{28A0092B-C50C-407E-A947-70E740481C1C}">
+                <a14:useLocalDpi xmlns:a14="http://schemas.microsoft.com/office/drawing/2010/main" val="0"/>
+              </a:ext>
+            </a:extLst>
+          </a:blip>
+          <a:srcRect b="7763"/>
+          <a:stretch/>
+        </p:blipFill>
+        <p:spPr bwMode="auto">
+          <a:xfrm>
+            <a:off x="9469386" y="570368"/>
+            <a:ext cx="1884414" cy="1738117"/>
+          </a:xfrm>
+          <a:prstGeom prst="rect">
+            <a:avLst/>
+          </a:prstGeom>
+          <a:noFill/>
+          <a:extLst>
+            <a:ext uri="{909E8E84-426E-40DD-AFC4-6F175D3DCCD1}">
+              <a14:hiddenFill xmlns:a14="http://schemas.microsoft.com/office/drawing/2010/main">
+                <a:solidFill>
+                  <a:srgbClr val="FFFFFF"/>
+                </a:solidFill>
+              </a14:hiddenFill>
+            </a:ext>
+          </a:extLst>
+        </p:spPr>
+      </p:pic>
     </p:spTree>
     <p:extLst>
       <p:ext uri="{BB962C8B-B14F-4D97-AF65-F5344CB8AC3E}">
@@ -3826,6 +4265,51 @@
           </a:p>
         </p:txBody>
       </p:sp>
+      <p:pic>
+        <p:nvPicPr>
+          <p:cNvPr id="5" name="Picture 12" descr="Pencil drawing: blue snowflake on white background. This sketch based on  macro photo of real snow crystal:… | Snowflakes drawing, Snow flake tattoo,  Pencil drawings">
+            <a:extLst>
+              <a:ext uri="{FF2B5EF4-FFF2-40B4-BE49-F238E27FC236}">
+                <a16:creationId xmlns:a16="http://schemas.microsoft.com/office/drawing/2014/main" id="{8BE7E923-32AD-4AC5-809F-94E1502EA1DA}"/>
+              </a:ext>
+            </a:extLst>
+          </p:cNvPr>
+          <p:cNvPicPr>
+            <a:picLocks noChangeAspect="1" noChangeArrowheads="1"/>
+          </p:cNvPicPr>
+          <p:nvPr/>
+        </p:nvPicPr>
+        <p:blipFill rotWithShape="1">
+          <a:blip r:embed="rId2">
+            <a:extLst>
+              <a:ext uri="{28A0092B-C50C-407E-A947-70E740481C1C}">
+                <a14:useLocalDpi xmlns:a14="http://schemas.microsoft.com/office/drawing/2010/main" val="0"/>
+              </a:ext>
+            </a:extLst>
+          </a:blip>
+          <a:srcRect b="7763"/>
+          <a:stretch/>
+        </p:blipFill>
+        <p:spPr bwMode="auto">
+          <a:xfrm>
+            <a:off x="9030500" y="4573783"/>
+            <a:ext cx="1884414" cy="1738117"/>
+          </a:xfrm>
+          <a:prstGeom prst="rect">
+            <a:avLst/>
+          </a:prstGeom>
+          <a:noFill/>
+          <a:extLst>
+            <a:ext uri="{909E8E84-426E-40DD-AFC4-6F175D3DCCD1}">
+              <a14:hiddenFill xmlns:a14="http://schemas.microsoft.com/office/drawing/2010/main">
+                <a:solidFill>
+                  <a:srgbClr val="FFFFFF"/>
+                </a:solidFill>
+              </a14:hiddenFill>
+            </a:ext>
+          </a:extLst>
+        </p:spPr>
+      </p:pic>
     </p:spTree>
     <p:extLst>
       <p:ext uri="{BB962C8B-B14F-4D97-AF65-F5344CB8AC3E}">
@@ -4091,6 +4575,51 @@
           </a:p>
         </p:txBody>
       </p:sp>
+      <p:pic>
+        <p:nvPicPr>
+          <p:cNvPr id="5" name="Picture 12" descr="Pencil drawing: blue snowflake on white background. This sketch based on  macro photo of real snow crystal:… | Snowflakes drawing, Snow flake tattoo,  Pencil drawings">
+            <a:extLst>
+              <a:ext uri="{FF2B5EF4-FFF2-40B4-BE49-F238E27FC236}">
+                <a16:creationId xmlns:a16="http://schemas.microsoft.com/office/drawing/2014/main" id="{87841EC6-9FBB-4441-A159-4BAAE1A7E069}"/>
+              </a:ext>
+            </a:extLst>
+          </p:cNvPr>
+          <p:cNvPicPr>
+            <a:picLocks noChangeAspect="1" noChangeArrowheads="1"/>
+          </p:cNvPicPr>
+          <p:nvPr/>
+        </p:nvPicPr>
+        <p:blipFill rotWithShape="1">
+          <a:blip r:embed="rId2">
+            <a:extLst>
+              <a:ext uri="{28A0092B-C50C-407E-A947-70E740481C1C}">
+                <a14:useLocalDpi xmlns:a14="http://schemas.microsoft.com/office/drawing/2010/main" val="0"/>
+              </a:ext>
+            </a:extLst>
+          </a:blip>
+          <a:srcRect b="7763"/>
+          <a:stretch/>
+        </p:blipFill>
+        <p:spPr bwMode="auto">
+          <a:xfrm>
+            <a:off x="9225809" y="259650"/>
+            <a:ext cx="1884414" cy="1738117"/>
+          </a:xfrm>
+          <a:prstGeom prst="rect">
+            <a:avLst/>
+          </a:prstGeom>
+          <a:noFill/>
+          <a:extLst>
+            <a:ext uri="{909E8E84-426E-40DD-AFC4-6F175D3DCCD1}">
+              <a14:hiddenFill xmlns:a14="http://schemas.microsoft.com/office/drawing/2010/main">
+                <a:solidFill>
+                  <a:srgbClr val="FFFFFF"/>
+                </a:solidFill>
+              </a14:hiddenFill>
+            </a:ext>
+          </a:extLst>
+        </p:spPr>
+      </p:pic>
     </p:spTree>
     <p:extLst>
       <p:ext uri="{BB962C8B-B14F-4D97-AF65-F5344CB8AC3E}">
@@ -4183,6 +4712,51 @@
           </a:p>
         </p:txBody>
       </p:sp>
+      <p:pic>
+        <p:nvPicPr>
+          <p:cNvPr id="3" name="Picture 12" descr="Pencil drawing: blue snowflake on white background. This sketch based on  macro photo of real snow crystal:… | Snowflakes drawing, Snow flake tattoo,  Pencil drawings">
+            <a:extLst>
+              <a:ext uri="{FF2B5EF4-FFF2-40B4-BE49-F238E27FC236}">
+                <a16:creationId xmlns:a16="http://schemas.microsoft.com/office/drawing/2014/main" id="{4773A2F8-162E-4842-B256-B75D47150E88}"/>
+              </a:ext>
+            </a:extLst>
+          </p:cNvPr>
+          <p:cNvPicPr>
+            <a:picLocks noChangeAspect="1" noChangeArrowheads="1"/>
+          </p:cNvPicPr>
+          <p:nvPr/>
+        </p:nvPicPr>
+        <p:blipFill rotWithShape="1">
+          <a:blip r:embed="rId3">
+            <a:extLst>
+              <a:ext uri="{28A0092B-C50C-407E-A947-70E740481C1C}">
+                <a14:useLocalDpi xmlns:a14="http://schemas.microsoft.com/office/drawing/2010/main" val="0"/>
+              </a:ext>
+            </a:extLst>
+          </a:blip>
+          <a:srcRect b="7763"/>
+          <a:stretch/>
+        </p:blipFill>
+        <p:spPr bwMode="auto">
+          <a:xfrm>
+            <a:off x="454671" y="1777731"/>
+            <a:ext cx="1884414" cy="1738117"/>
+          </a:xfrm>
+          <a:prstGeom prst="rect">
+            <a:avLst/>
+          </a:prstGeom>
+          <a:noFill/>
+          <a:extLst>
+            <a:ext uri="{909E8E84-426E-40DD-AFC4-6F175D3DCCD1}">
+              <a14:hiddenFill xmlns:a14="http://schemas.microsoft.com/office/drawing/2010/main">
+                <a:solidFill>
+                  <a:srgbClr val="FFFFFF"/>
+                </a:solidFill>
+              </a14:hiddenFill>
+            </a:ext>
+          </a:extLst>
+        </p:spPr>
+      </p:pic>
     </p:spTree>
     <p:extLst>
       <p:ext uri="{BB962C8B-B14F-4D97-AF65-F5344CB8AC3E}">
